--- a/lectures materials/cross platform programming/pptx/0. Вступ.pptx
+++ b/lectures materials/cross platform programming/pptx/0. Вступ.pptx
@@ -265,7 +265,7 @@
   </p:defaultTextStyle>
   <p:extLst>
     <p:ext uri="{EFAFB233-063F-42B5-8137-9DF3F51BA10A}">
-      <p15:sldGuideLst xmlns="" xmlns:mc="http://schemas.openxmlformats.org/markup-compatibility/2006" xmlns:mv="urn:schemas-microsoft-com:mac:vml" xmlns:c="http://schemas.openxmlformats.org/drawingml/2006/chart" xmlns:dgm="http://schemas.openxmlformats.org/drawingml/2006/diagram" xmlns:o="urn:schemas-microsoft-com:office:office" xmlns:v="urn:schemas-microsoft-com:vml" xmlns:pvml="urn:schemas-microsoft-com:office:powerpoint" xmlns:com="http://schemas.openxmlformats.org/drawingml/2006/compatibility" xmlns:p14="http://schemas.microsoft.com/office/powerpoint/2010/main" xmlns:p15="http://schemas.microsoft.com/office/powerpoint/2012/main" xmlns:ahyp="http://schemas.microsoft.com/office/drawing/2018/hyperlinkcolor">
+      <p15:sldGuideLst xmlns:ahyp="http://schemas.microsoft.com/office/drawing/2018/hyperlinkcolor" xmlns:p15="http://schemas.microsoft.com/office/powerpoint/2012/main" xmlns:p14="http://schemas.microsoft.com/office/powerpoint/2010/main" xmlns:com="http://schemas.openxmlformats.org/drawingml/2006/compatibility" xmlns:pvml="urn:schemas-microsoft-com:office:powerpoint" xmlns:v="urn:schemas-microsoft-com:vml" xmlns:o="urn:schemas-microsoft-com:office:office" xmlns:dgm="http://schemas.openxmlformats.org/drawingml/2006/diagram" xmlns:c="http://schemas.openxmlformats.org/drawingml/2006/chart" xmlns:mv="urn:schemas-microsoft-com:mac:vml" xmlns:mc="http://schemas.openxmlformats.org/markup-compatibility/2006" xmlns="">
         <p15:guide id="1" orient="horz" pos="1620">
           <p15:clr>
             <a:srgbClr val="A4A3A4"/>
@@ -5698,7 +5698,7 @@
         </p:nvSpPr>
         <p:spPr>
           <a:xfrm>
-            <a:off x="302822" y="1251750"/>
+            <a:off x="302822" y="1111640"/>
             <a:ext cx="8520600" cy="3684233"/>
           </a:xfrm>
         </p:spPr>
@@ -13386,7 +13386,6 @@
               <a:rPr lang="ru-RU" dirty="0"/>
               <a:t> платформ.</a:t>
             </a:r>
-            <a:endParaRPr lang="ru-RU" dirty="0"/>
           </a:p>
         </p:txBody>
       </p:sp>
@@ -14333,7 +14332,6 @@
               <a:rPr lang="ru-RU" dirty="0"/>
               <a:t>.</a:t>
             </a:r>
-            <a:endParaRPr lang="ru-RU" dirty="0"/>
           </a:p>
         </p:txBody>
       </p:sp>
@@ -15591,7 +15589,6 @@
               <a:rPr lang="ru-RU" sz="1600" dirty="0"/>
               <a:t>.</a:t>
             </a:r>
-            <a:endParaRPr lang="ru-RU" sz="1600" dirty="0"/>
           </a:p>
         </p:txBody>
       </p:sp>
